--- a/multiprocessing_vs_multithreading_lab.pptx
+++ b/multiprocessing_vs_multithreading_lab.pptx
@@ -5,12 +5,12 @@
     <p:sldMasterId id="2147483648" r:id="rId1"/>
   </p:sldMasterIdLst>
   <p:sldIdLst>
-    <p:sldId id="256" r:id="rId7"/>
-    <p:sldId id="257" r:id="rId8"/>
-    <p:sldId id="258" r:id="rId9"/>
-    <p:sldId id="259" r:id="rId10"/>
-    <p:sldId id="260" r:id="rId11"/>
-    <p:sldId id="261" r:id="rId12"/>
+    <p:sldId id="256" r:id="rId2"/>
+    <p:sldId id="257" r:id="rId3"/>
+    <p:sldId id="258" r:id="rId4"/>
+    <p:sldId id="259" r:id="rId5"/>
+    <p:sldId id="260" r:id="rId6"/>
+    <p:sldId id="261" r:id="rId7"/>
   </p:sldIdLst>
   <p:sldSz cx="9144000" cy="6858000" type="screen4x3"/>
   <p:notesSz cx="6858000" cy="9144000"/>
@@ -109,6 +109,22 @@
       </a:defRPr>
     </a:lvl9pPr>
   </p:defaultTextStyle>
+  <p:extLst>
+    <p:ext uri="{EFAFB233-063F-42B5-8137-9DF3F51BA10A}">
+      <p15:sldGuideLst xmlns:p15="http://schemas.microsoft.com/office/powerpoint/2012/main">
+        <p15:guide id="1" orient="horz" pos="2160">
+          <p15:clr>
+            <a:srgbClr val="A4A3A4"/>
+          </p15:clr>
+        </p15:guide>
+        <p15:guide id="2" pos="2880">
+          <p15:clr>
+            <a:srgbClr val="A4A3A4"/>
+          </p15:clr>
+        </p15:guide>
+      </p15:sldGuideLst>
+    </p:ext>
+  </p:extLst>
 </p:presentation>
 </file>
 
@@ -150,10 +166,9 @@
           <a:lstStyle/>
           <a:p>
             <a:r>
-              <a:rPr lang="en-US" smtClean="0"/>
+              <a:rPr lang="en-US"/>
               <a:t>Click to edit Master title style</a:t>
             </a:r>
-            <a:endParaRPr lang="en-US"/>
           </a:p>
         </p:txBody>
       </p:sp>
@@ -269,10 +284,9 @@
           </a:lstStyle>
           <a:p>
             <a:r>
-              <a:rPr lang="en-US" smtClean="0"/>
+              <a:rPr lang="en-US"/>
               <a:t>Click to edit Master subtitle style</a:t>
             </a:r>
-            <a:endParaRPr lang="en-US"/>
           </a:p>
         </p:txBody>
       </p:sp>
@@ -293,7 +307,7 @@
           <a:p>
             <a:fld id="{5BCAD085-E8A6-8845-BD4E-CB4CCA059FC4}" type="datetimeFigureOut">
               <a:rPr lang="en-US" smtClean="0"/>
-              <a:t>1/27/13</a:t>
+              <a:t>5/1/25</a:t>
             </a:fld>
             <a:endParaRPr lang="en-US"/>
           </a:p>
@@ -387,10 +401,9 @@
           <a:lstStyle/>
           <a:p>
             <a:r>
-              <a:rPr lang="en-US" smtClean="0"/>
+              <a:rPr lang="en-US"/>
               <a:t>Click to edit Master title style</a:t>
             </a:r>
-            <a:endParaRPr lang="en-US"/>
           </a:p>
         </p:txBody>
       </p:sp>
@@ -411,38 +424,37 @@
           <a:p>
             <a:pPr lvl="0"/>
             <a:r>
-              <a:rPr lang="en-US" smtClean="0"/>
+              <a:rPr lang="en-US"/>
               <a:t>Click to edit Master text styles</a:t>
             </a:r>
           </a:p>
           <a:p>
             <a:pPr lvl="1"/>
             <a:r>
-              <a:rPr lang="en-US" smtClean="0"/>
+              <a:rPr lang="en-US"/>
               <a:t>Second level</a:t>
             </a:r>
           </a:p>
           <a:p>
             <a:pPr lvl="2"/>
             <a:r>
-              <a:rPr lang="en-US" smtClean="0"/>
+              <a:rPr lang="en-US"/>
               <a:t>Third level</a:t>
             </a:r>
           </a:p>
           <a:p>
             <a:pPr lvl="3"/>
             <a:r>
-              <a:rPr lang="en-US" smtClean="0"/>
+              <a:rPr lang="en-US"/>
               <a:t>Fourth level</a:t>
             </a:r>
           </a:p>
           <a:p>
             <a:pPr lvl="4"/>
             <a:r>
-              <a:rPr lang="en-US" smtClean="0"/>
+              <a:rPr lang="en-US"/>
               <a:t>Fifth level</a:t>
             </a:r>
-            <a:endParaRPr lang="en-US"/>
           </a:p>
         </p:txBody>
       </p:sp>
@@ -463,7 +475,7 @@
           <a:p>
             <a:fld id="{5BCAD085-E8A6-8845-BD4E-CB4CCA059FC4}" type="datetimeFigureOut">
               <a:rPr lang="en-US" smtClean="0"/>
-              <a:t>1/27/13</a:t>
+              <a:t>5/1/25</a:t>
             </a:fld>
             <a:endParaRPr lang="en-US"/>
           </a:p>
@@ -562,10 +574,9 @@
           <a:lstStyle/>
           <a:p>
             <a:r>
-              <a:rPr lang="en-US" smtClean="0"/>
+              <a:rPr lang="en-US"/>
               <a:t>Click to edit Master title style</a:t>
             </a:r>
-            <a:endParaRPr lang="en-US"/>
           </a:p>
         </p:txBody>
       </p:sp>
@@ -591,38 +602,37 @@
           <a:p>
             <a:pPr lvl="0"/>
             <a:r>
-              <a:rPr lang="en-US" smtClean="0"/>
+              <a:rPr lang="en-US"/>
               <a:t>Click to edit Master text styles</a:t>
             </a:r>
           </a:p>
           <a:p>
             <a:pPr lvl="1"/>
             <a:r>
-              <a:rPr lang="en-US" smtClean="0"/>
+              <a:rPr lang="en-US"/>
               <a:t>Second level</a:t>
             </a:r>
           </a:p>
           <a:p>
             <a:pPr lvl="2"/>
             <a:r>
-              <a:rPr lang="en-US" smtClean="0"/>
+              <a:rPr lang="en-US"/>
               <a:t>Third level</a:t>
             </a:r>
           </a:p>
           <a:p>
             <a:pPr lvl="3"/>
             <a:r>
-              <a:rPr lang="en-US" smtClean="0"/>
+              <a:rPr lang="en-US"/>
               <a:t>Fourth level</a:t>
             </a:r>
           </a:p>
           <a:p>
             <a:pPr lvl="4"/>
             <a:r>
-              <a:rPr lang="en-US" smtClean="0"/>
+              <a:rPr lang="en-US"/>
               <a:t>Fifth level</a:t>
             </a:r>
-            <a:endParaRPr lang="en-US"/>
           </a:p>
         </p:txBody>
       </p:sp>
@@ -643,7 +653,7 @@
           <a:p>
             <a:fld id="{5BCAD085-E8A6-8845-BD4E-CB4CCA059FC4}" type="datetimeFigureOut">
               <a:rPr lang="en-US" smtClean="0"/>
-              <a:t>1/27/13</a:t>
+              <a:t>5/1/25</a:t>
             </a:fld>
             <a:endParaRPr lang="en-US"/>
           </a:p>
@@ -737,10 +747,9 @@
           <a:lstStyle/>
           <a:p>
             <a:r>
-              <a:rPr lang="en-US" smtClean="0"/>
+              <a:rPr lang="en-US"/>
               <a:t>Click to edit Master title style</a:t>
             </a:r>
-            <a:endParaRPr lang="en-US"/>
           </a:p>
         </p:txBody>
       </p:sp>
@@ -761,38 +770,37 @@
           <a:p>
             <a:pPr lvl="0"/>
             <a:r>
-              <a:rPr lang="en-US" smtClean="0"/>
+              <a:rPr lang="en-US"/>
               <a:t>Click to edit Master text styles</a:t>
             </a:r>
           </a:p>
           <a:p>
             <a:pPr lvl="1"/>
             <a:r>
-              <a:rPr lang="en-US" smtClean="0"/>
+              <a:rPr lang="en-US"/>
               <a:t>Second level</a:t>
             </a:r>
           </a:p>
           <a:p>
             <a:pPr lvl="2"/>
             <a:r>
-              <a:rPr lang="en-US" smtClean="0"/>
+              <a:rPr lang="en-US"/>
               <a:t>Third level</a:t>
             </a:r>
           </a:p>
           <a:p>
             <a:pPr lvl="3"/>
             <a:r>
-              <a:rPr lang="en-US" smtClean="0"/>
+              <a:rPr lang="en-US"/>
               <a:t>Fourth level</a:t>
             </a:r>
           </a:p>
           <a:p>
             <a:pPr lvl="4"/>
             <a:r>
-              <a:rPr lang="en-US" smtClean="0"/>
+              <a:rPr lang="en-US"/>
               <a:t>Fifth level</a:t>
             </a:r>
-            <a:endParaRPr lang="en-US"/>
           </a:p>
         </p:txBody>
       </p:sp>
@@ -813,7 +821,7 @@
           <a:p>
             <a:fld id="{5BCAD085-E8A6-8845-BD4E-CB4CCA059FC4}" type="datetimeFigureOut">
               <a:rPr lang="en-US" smtClean="0"/>
-              <a:t>1/27/13</a:t>
+              <a:t>5/1/25</a:t>
             </a:fld>
             <a:endParaRPr lang="en-US"/>
           </a:p>
@@ -916,10 +924,9 @@
           </a:lstStyle>
           <a:p>
             <a:r>
-              <a:rPr lang="en-US" smtClean="0"/>
+              <a:rPr lang="en-US"/>
               <a:t>Click to edit Master title style</a:t>
             </a:r>
-            <a:endParaRPr lang="en-US"/>
           </a:p>
         </p:txBody>
       </p:sp>
@@ -1036,7 +1043,7 @@
           <a:p>
             <a:pPr lvl="0"/>
             <a:r>
-              <a:rPr lang="en-US" smtClean="0"/>
+              <a:rPr lang="en-US"/>
               <a:t>Click to edit Master text styles</a:t>
             </a:r>
           </a:p>
@@ -1059,7 +1066,7 @@
           <a:p>
             <a:fld id="{5BCAD085-E8A6-8845-BD4E-CB4CCA059FC4}" type="datetimeFigureOut">
               <a:rPr lang="en-US" smtClean="0"/>
-              <a:t>1/27/13</a:t>
+              <a:t>5/1/25</a:t>
             </a:fld>
             <a:endParaRPr lang="en-US"/>
           </a:p>
@@ -1153,10 +1160,9 @@
           <a:lstStyle/>
           <a:p>
             <a:r>
-              <a:rPr lang="en-US" smtClean="0"/>
+              <a:rPr lang="en-US"/>
               <a:t>Click to edit Master title style</a:t>
             </a:r>
-            <a:endParaRPr lang="en-US"/>
           </a:p>
         </p:txBody>
       </p:sp>
@@ -1210,38 +1216,37 @@
           <a:p>
             <a:pPr lvl="0"/>
             <a:r>
-              <a:rPr lang="en-US" smtClean="0"/>
+              <a:rPr lang="en-US"/>
               <a:t>Click to edit Master text styles</a:t>
             </a:r>
           </a:p>
           <a:p>
             <a:pPr lvl="1"/>
             <a:r>
-              <a:rPr lang="en-US" smtClean="0"/>
+              <a:rPr lang="en-US"/>
               <a:t>Second level</a:t>
             </a:r>
           </a:p>
           <a:p>
             <a:pPr lvl="2"/>
             <a:r>
-              <a:rPr lang="en-US" smtClean="0"/>
+              <a:rPr lang="en-US"/>
               <a:t>Third level</a:t>
             </a:r>
           </a:p>
           <a:p>
             <a:pPr lvl="3"/>
             <a:r>
-              <a:rPr lang="en-US" smtClean="0"/>
+              <a:rPr lang="en-US"/>
               <a:t>Fourth level</a:t>
             </a:r>
           </a:p>
           <a:p>
             <a:pPr lvl="4"/>
             <a:r>
-              <a:rPr lang="en-US" smtClean="0"/>
+              <a:rPr lang="en-US"/>
               <a:t>Fifth level</a:t>
             </a:r>
-            <a:endParaRPr lang="en-US"/>
           </a:p>
         </p:txBody>
       </p:sp>
@@ -1295,38 +1300,37 @@
           <a:p>
             <a:pPr lvl="0"/>
             <a:r>
-              <a:rPr lang="en-US" smtClean="0"/>
+              <a:rPr lang="en-US"/>
               <a:t>Click to edit Master text styles</a:t>
             </a:r>
           </a:p>
           <a:p>
             <a:pPr lvl="1"/>
             <a:r>
-              <a:rPr lang="en-US" smtClean="0"/>
+              <a:rPr lang="en-US"/>
               <a:t>Second level</a:t>
             </a:r>
           </a:p>
           <a:p>
             <a:pPr lvl="2"/>
             <a:r>
-              <a:rPr lang="en-US" smtClean="0"/>
+              <a:rPr lang="en-US"/>
               <a:t>Third level</a:t>
             </a:r>
           </a:p>
           <a:p>
             <a:pPr lvl="3"/>
             <a:r>
-              <a:rPr lang="en-US" smtClean="0"/>
+              <a:rPr lang="en-US"/>
               <a:t>Fourth level</a:t>
             </a:r>
           </a:p>
           <a:p>
             <a:pPr lvl="4"/>
             <a:r>
-              <a:rPr lang="en-US" smtClean="0"/>
+              <a:rPr lang="en-US"/>
               <a:t>Fifth level</a:t>
             </a:r>
-            <a:endParaRPr lang="en-US"/>
           </a:p>
         </p:txBody>
       </p:sp>
@@ -1347,7 +1351,7 @@
           <a:p>
             <a:fld id="{5BCAD085-E8A6-8845-BD4E-CB4CCA059FC4}" type="datetimeFigureOut">
               <a:rPr lang="en-US" smtClean="0"/>
-              <a:t>1/27/13</a:t>
+              <a:t>5/1/25</a:t>
             </a:fld>
             <a:endParaRPr lang="en-US"/>
           </a:p>
@@ -1445,10 +1449,9 @@
           </a:lstStyle>
           <a:p>
             <a:r>
-              <a:rPr lang="en-US" smtClean="0"/>
+              <a:rPr lang="en-US"/>
               <a:t>Click to edit Master title style</a:t>
             </a:r>
-            <a:endParaRPr lang="en-US"/>
           </a:p>
         </p:txBody>
       </p:sp>
@@ -1511,7 +1514,7 @@
           <a:p>
             <a:pPr lvl="0"/>
             <a:r>
-              <a:rPr lang="en-US" smtClean="0"/>
+              <a:rPr lang="en-US"/>
               <a:t>Click to edit Master text styles</a:t>
             </a:r>
           </a:p>
@@ -1567,38 +1570,37 @@
           <a:p>
             <a:pPr lvl="0"/>
             <a:r>
-              <a:rPr lang="en-US" smtClean="0"/>
+              <a:rPr lang="en-US"/>
               <a:t>Click to edit Master text styles</a:t>
             </a:r>
           </a:p>
           <a:p>
             <a:pPr lvl="1"/>
             <a:r>
-              <a:rPr lang="en-US" smtClean="0"/>
+              <a:rPr lang="en-US"/>
               <a:t>Second level</a:t>
             </a:r>
           </a:p>
           <a:p>
             <a:pPr lvl="2"/>
             <a:r>
-              <a:rPr lang="en-US" smtClean="0"/>
+              <a:rPr lang="en-US"/>
               <a:t>Third level</a:t>
             </a:r>
           </a:p>
           <a:p>
             <a:pPr lvl="3"/>
             <a:r>
-              <a:rPr lang="en-US" smtClean="0"/>
+              <a:rPr lang="en-US"/>
               <a:t>Fourth level</a:t>
             </a:r>
           </a:p>
           <a:p>
             <a:pPr lvl="4"/>
             <a:r>
-              <a:rPr lang="en-US" smtClean="0"/>
+              <a:rPr lang="en-US"/>
               <a:t>Fifth level</a:t>
             </a:r>
-            <a:endParaRPr lang="en-US"/>
           </a:p>
         </p:txBody>
       </p:sp>
@@ -1661,7 +1663,7 @@
           <a:p>
             <a:pPr lvl="0"/>
             <a:r>
-              <a:rPr lang="en-US" smtClean="0"/>
+              <a:rPr lang="en-US"/>
               <a:t>Click to edit Master text styles</a:t>
             </a:r>
           </a:p>
@@ -1717,38 +1719,37 @@
           <a:p>
             <a:pPr lvl="0"/>
             <a:r>
-              <a:rPr lang="en-US" smtClean="0"/>
+              <a:rPr lang="en-US"/>
               <a:t>Click to edit Master text styles</a:t>
             </a:r>
           </a:p>
           <a:p>
             <a:pPr lvl="1"/>
             <a:r>
-              <a:rPr lang="en-US" smtClean="0"/>
+              <a:rPr lang="en-US"/>
               <a:t>Second level</a:t>
             </a:r>
           </a:p>
           <a:p>
             <a:pPr lvl="2"/>
             <a:r>
-              <a:rPr lang="en-US" smtClean="0"/>
+              <a:rPr lang="en-US"/>
               <a:t>Third level</a:t>
             </a:r>
           </a:p>
           <a:p>
             <a:pPr lvl="3"/>
             <a:r>
-              <a:rPr lang="en-US" smtClean="0"/>
+              <a:rPr lang="en-US"/>
               <a:t>Fourth level</a:t>
             </a:r>
           </a:p>
           <a:p>
             <a:pPr lvl="4"/>
             <a:r>
-              <a:rPr lang="en-US" smtClean="0"/>
+              <a:rPr lang="en-US"/>
               <a:t>Fifth level</a:t>
             </a:r>
-            <a:endParaRPr lang="en-US"/>
           </a:p>
         </p:txBody>
       </p:sp>
@@ -1769,7 +1770,7 @@
           <a:p>
             <a:fld id="{5BCAD085-E8A6-8845-BD4E-CB4CCA059FC4}" type="datetimeFigureOut">
               <a:rPr lang="en-US" smtClean="0"/>
-              <a:t>1/27/13</a:t>
+              <a:t>5/1/25</a:t>
             </a:fld>
             <a:endParaRPr lang="en-US"/>
           </a:p>
@@ -1863,10 +1864,9 @@
           <a:lstStyle/>
           <a:p>
             <a:r>
-              <a:rPr lang="en-US" smtClean="0"/>
+              <a:rPr lang="en-US"/>
               <a:t>Click to edit Master title style</a:t>
             </a:r>
-            <a:endParaRPr lang="en-US"/>
           </a:p>
         </p:txBody>
       </p:sp>
@@ -1887,7 +1887,7 @@
           <a:p>
             <a:fld id="{5BCAD085-E8A6-8845-BD4E-CB4CCA059FC4}" type="datetimeFigureOut">
               <a:rPr lang="en-US" smtClean="0"/>
-              <a:t>1/27/13</a:t>
+              <a:t>5/1/25</a:t>
             </a:fld>
             <a:endParaRPr lang="en-US"/>
           </a:p>
@@ -1982,7 +1982,7 @@
           <a:p>
             <a:fld id="{5BCAD085-E8A6-8845-BD4E-CB4CCA059FC4}" type="datetimeFigureOut">
               <a:rPr lang="en-US" smtClean="0"/>
-              <a:t>1/27/13</a:t>
+              <a:t>5/1/25</a:t>
             </a:fld>
             <a:endParaRPr lang="en-US"/>
           </a:p>
@@ -2085,10 +2085,9 @@
           </a:lstStyle>
           <a:p>
             <a:r>
-              <a:rPr lang="en-US" smtClean="0"/>
+              <a:rPr lang="en-US"/>
               <a:t>Click to edit Master title style</a:t>
             </a:r>
-            <a:endParaRPr lang="en-US"/>
           </a:p>
         </p:txBody>
       </p:sp>
@@ -2142,38 +2141,37 @@
           <a:p>
             <a:pPr lvl="0"/>
             <a:r>
-              <a:rPr lang="en-US" smtClean="0"/>
+              <a:rPr lang="en-US"/>
               <a:t>Click to edit Master text styles</a:t>
             </a:r>
           </a:p>
           <a:p>
             <a:pPr lvl="1"/>
             <a:r>
-              <a:rPr lang="en-US" smtClean="0"/>
+              <a:rPr lang="en-US"/>
               <a:t>Second level</a:t>
             </a:r>
           </a:p>
           <a:p>
             <a:pPr lvl="2"/>
             <a:r>
-              <a:rPr lang="en-US" smtClean="0"/>
+              <a:rPr lang="en-US"/>
               <a:t>Third level</a:t>
             </a:r>
           </a:p>
           <a:p>
             <a:pPr lvl="3"/>
             <a:r>
-              <a:rPr lang="en-US" smtClean="0"/>
+              <a:rPr lang="en-US"/>
               <a:t>Fourth level</a:t>
             </a:r>
           </a:p>
           <a:p>
             <a:pPr lvl="4"/>
             <a:r>
-              <a:rPr lang="en-US" smtClean="0"/>
+              <a:rPr lang="en-US"/>
               <a:t>Fifth level</a:t>
             </a:r>
-            <a:endParaRPr lang="en-US"/>
           </a:p>
         </p:txBody>
       </p:sp>
@@ -2236,7 +2234,7 @@
           <a:p>
             <a:pPr lvl="0"/>
             <a:r>
-              <a:rPr lang="en-US" smtClean="0"/>
+              <a:rPr lang="en-US"/>
               <a:t>Click to edit Master text styles</a:t>
             </a:r>
           </a:p>
@@ -2259,7 +2257,7 @@
           <a:p>
             <a:fld id="{5BCAD085-E8A6-8845-BD4E-CB4CCA059FC4}" type="datetimeFigureOut">
               <a:rPr lang="en-US" smtClean="0"/>
-              <a:t>1/27/13</a:t>
+              <a:t>5/1/25</a:t>
             </a:fld>
             <a:endParaRPr lang="en-US"/>
           </a:p>
@@ -2362,10 +2360,9 @@
           </a:lstStyle>
           <a:p>
             <a:r>
-              <a:rPr lang="en-US" smtClean="0"/>
+              <a:rPr lang="en-US"/>
               <a:t>Click to edit Master title style</a:t>
             </a:r>
-            <a:endParaRPr lang="en-US"/>
           </a:p>
         </p:txBody>
       </p:sp>
@@ -2489,7 +2486,7 @@
           <a:p>
             <a:pPr lvl="0"/>
             <a:r>
-              <a:rPr lang="en-US" smtClean="0"/>
+              <a:rPr lang="en-US"/>
               <a:t>Click to edit Master text styles</a:t>
             </a:r>
           </a:p>
@@ -2512,7 +2509,7 @@
           <a:p>
             <a:fld id="{5BCAD085-E8A6-8845-BD4E-CB4CCA059FC4}" type="datetimeFigureOut">
               <a:rPr lang="en-US" smtClean="0"/>
-              <a:t>1/27/13</a:t>
+              <a:t>5/1/25</a:t>
             </a:fld>
             <a:endParaRPr lang="en-US"/>
           </a:p>
@@ -2621,10 +2618,9 @@
           <a:lstStyle/>
           <a:p>
             <a:r>
-              <a:rPr lang="en-US" smtClean="0"/>
+              <a:rPr lang="en-US"/>
               <a:t>Click to edit Master title style</a:t>
             </a:r>
-            <a:endParaRPr lang="en-US"/>
           </a:p>
         </p:txBody>
       </p:sp>
@@ -2655,38 +2651,37 @@
           <a:p>
             <a:pPr lvl="0"/>
             <a:r>
-              <a:rPr lang="en-US" smtClean="0"/>
+              <a:rPr lang="en-US"/>
               <a:t>Click to edit Master text styles</a:t>
             </a:r>
           </a:p>
           <a:p>
             <a:pPr lvl="1"/>
             <a:r>
-              <a:rPr lang="en-US" smtClean="0"/>
+              <a:rPr lang="en-US"/>
               <a:t>Second level</a:t>
             </a:r>
           </a:p>
           <a:p>
             <a:pPr lvl="2"/>
             <a:r>
-              <a:rPr lang="en-US" smtClean="0"/>
+              <a:rPr lang="en-US"/>
               <a:t>Third level</a:t>
             </a:r>
           </a:p>
           <a:p>
             <a:pPr lvl="3"/>
             <a:r>
-              <a:rPr lang="en-US" smtClean="0"/>
+              <a:rPr lang="en-US"/>
               <a:t>Fourth level</a:t>
             </a:r>
           </a:p>
           <a:p>
             <a:pPr lvl="4"/>
             <a:r>
-              <a:rPr lang="en-US" smtClean="0"/>
+              <a:rPr lang="en-US"/>
               <a:t>Fifth level</a:t>
             </a:r>
-            <a:endParaRPr lang="en-US"/>
           </a:p>
         </p:txBody>
       </p:sp>
@@ -2725,7 +2720,7 @@
           <a:p>
             <a:fld id="{5BCAD085-E8A6-8845-BD4E-CB4CCA059FC4}" type="datetimeFigureOut">
               <a:rPr lang="en-US" smtClean="0"/>
-              <a:t>1/27/13</a:t>
+              <a:t>5/1/25</a:t>
             </a:fld>
             <a:endParaRPr lang="en-US"/>
           </a:p>
@@ -3084,7 +3079,7 @@
 </file>
 
 <file path=ppt/slides/slide1.xml><?xml version="1.0" encoding="utf-8"?>
-<p:sld xmlns:a="http://schemas.openxmlformats.org/drawingml/2006/main" xmlns:p="http://schemas.openxmlformats.org/presentationml/2006/main" xmlns:r="http://schemas.openxmlformats.org/officeDocument/2006/relationships">
+<p:sld xmlns:a="http://schemas.openxmlformats.org/drawingml/2006/main" xmlns:r="http://schemas.openxmlformats.org/officeDocument/2006/relationships" xmlns:p="http://schemas.openxmlformats.org/presentationml/2006/main">
   <p:cSld>
     <p:spTree>
       <p:nvGrpSpPr>
@@ -3092,7 +3087,14 @@
         <p:cNvGrpSpPr/>
         <p:nvPr/>
       </p:nvGrpSpPr>
-      <p:grpSpPr/>
+      <p:grpSpPr>
+        <a:xfrm>
+          <a:off x="0" y="0"/>
+          <a:ext cx="0" cy="0"/>
+          <a:chOff x="0" y="0"/>
+          <a:chExt cx="0" cy="0"/>
+        </a:xfrm>
+      </p:grpSpPr>
       <p:sp>
         <p:nvSpPr>
           <p:cNvPr id="2" name="Title 1"/>
@@ -3130,8 +3132,14 @@
           <a:lstStyle/>
           <a:p>
             <a:r>
-              <a:t>CS 3050: Systems Programming – College Juniors</a:t>
-            </a:r>
+              <a:rPr dirty="0"/>
+              <a:t>CS 3050</a:t>
+            </a:r>
+            <a:r>
+              <a:rPr lang="en-US" dirty="0"/>
+              <a:t> </a:t>
+            </a:r>
+            <a:endParaRPr dirty="0"/>
           </a:p>
         </p:txBody>
       </p:sp>
@@ -3144,7 +3152,7 @@
 </file>
 
 <file path=ppt/slides/slide2.xml><?xml version="1.0" encoding="utf-8"?>
-<p:sld xmlns:a="http://schemas.openxmlformats.org/drawingml/2006/main" xmlns:p="http://schemas.openxmlformats.org/presentationml/2006/main" xmlns:r="http://schemas.openxmlformats.org/officeDocument/2006/relationships">
+<p:sld xmlns:a="http://schemas.openxmlformats.org/drawingml/2006/main" xmlns:r="http://schemas.openxmlformats.org/officeDocument/2006/relationships" xmlns:p="http://schemas.openxmlformats.org/presentationml/2006/main">
   <p:cSld>
     <p:spTree>
       <p:nvGrpSpPr>
@@ -3152,7 +3160,14 @@
         <p:cNvGrpSpPr/>
         <p:nvPr/>
       </p:nvGrpSpPr>
-      <p:grpSpPr/>
+      <p:grpSpPr>
+        <a:xfrm>
+          <a:off x="0" y="0"/>
+          <a:ext cx="0" cy="0"/>
+          <a:chOff x="0" y="0"/>
+          <a:chExt cx="0" cy="0"/>
+        </a:xfrm>
+      </p:grpSpPr>
       <p:sp>
         <p:nvSpPr>
           <p:cNvPr id="2" name="Title 1"/>
@@ -3188,33 +3203,30 @@
         <p:txBody>
           <a:bodyPr/>
           <a:lstStyle/>
-          <a:p/>
-          <a:p>
-            <a:pPr/>
+          <a:p>
+            <a:endParaRPr/>
+          </a:p>
+          <a:p>
             <a:r>
               <a:t>Understand multiprocessing and multithreading.</a:t>
             </a:r>
           </a:p>
           <a:p>
-            <a:pPr/>
             <a:r>
               <a:t>Use fork() to create and manage child processes.</a:t>
             </a:r>
           </a:p>
           <a:p>
-            <a:pPr/>
             <a:r>
               <a:t>Use pthreads to create and manage threads.</a:t>
             </a:r>
           </a:p>
           <a:p>
-            <a:pPr/>
             <a:r>
               <a:t>Compare performance between both approaches.</a:t>
             </a:r>
           </a:p>
           <a:p>
-            <a:pPr/>
             <a:r>
               <a:t>Identify use cases and limitations of each.</a:t>
             </a:r>
@@ -3230,7 +3242,7 @@
 </file>
 
 <file path=ppt/slides/slide3.xml><?xml version="1.0" encoding="utf-8"?>
-<p:sld xmlns:a="http://schemas.openxmlformats.org/drawingml/2006/main" xmlns:p="http://schemas.openxmlformats.org/presentationml/2006/main" xmlns:r="http://schemas.openxmlformats.org/officeDocument/2006/relationships">
+<p:sld xmlns:a="http://schemas.openxmlformats.org/drawingml/2006/main" xmlns:r="http://schemas.openxmlformats.org/officeDocument/2006/relationships" xmlns:p="http://schemas.openxmlformats.org/presentationml/2006/main">
   <p:cSld>
     <p:spTree>
       <p:nvGrpSpPr>
@@ -3238,7 +3250,14 @@
         <p:cNvGrpSpPr/>
         <p:nvPr/>
       </p:nvGrpSpPr>
-      <p:grpSpPr/>
+      <p:grpSpPr>
+        <a:xfrm>
+          <a:off x="0" y="0"/>
+          <a:ext cx="0" cy="0"/>
+          <a:chOff x="0" y="0"/>
+          <a:chExt cx="0" cy="0"/>
+        </a:xfrm>
+      </p:grpSpPr>
       <p:sp>
         <p:nvSpPr>
           <p:cNvPr id="2" name="Title 1"/>
@@ -3274,27 +3293,25 @@
         <p:txBody>
           <a:bodyPr/>
           <a:lstStyle/>
-          <a:p/>
-          <a:p>
-            <a:pPr/>
+          <a:p>
+            <a:endParaRPr/>
+          </a:p>
+          <a:p>
             <a:r>
               <a:t>Part 1: multiprocessing.c – Create N processes with fork().</a:t>
             </a:r>
           </a:p>
           <a:p>
-            <a:pPr/>
             <a:r>
               <a:t>Part 2: multithreading.c – Create N threads with pthreads.</a:t>
             </a:r>
           </a:p>
           <a:p>
-            <a:pPr/>
             <a:r>
               <a:t>Part 3: Compare performance using timing functions.</a:t>
             </a:r>
           </a:p>
           <a:p>
-            <a:pPr/>
             <a:r>
               <a:t>Part 4: Answer reflection questions.</a:t>
             </a:r>
@@ -3310,7 +3327,7 @@
 </file>
 
 <file path=ppt/slides/slide4.xml><?xml version="1.0" encoding="utf-8"?>
-<p:sld xmlns:a="http://schemas.openxmlformats.org/drawingml/2006/main" xmlns:p="http://schemas.openxmlformats.org/presentationml/2006/main" xmlns:r="http://schemas.openxmlformats.org/officeDocument/2006/relationships">
+<p:sld xmlns:a="http://schemas.openxmlformats.org/drawingml/2006/main" xmlns:r="http://schemas.openxmlformats.org/officeDocument/2006/relationships" xmlns:p="http://schemas.openxmlformats.org/presentationml/2006/main">
   <p:cSld>
     <p:spTree>
       <p:nvGrpSpPr>
@@ -3318,7 +3335,14 @@
         <p:cNvGrpSpPr/>
         <p:nvPr/>
       </p:nvGrpSpPr>
-      <p:grpSpPr/>
+      <p:grpSpPr>
+        <a:xfrm>
+          <a:off x="0" y="0"/>
+          <a:ext cx="0" cy="0"/>
+          <a:chOff x="0" y="0"/>
+          <a:chExt cx="0" cy="0"/>
+        </a:xfrm>
+      </p:grpSpPr>
       <p:sp>
         <p:nvSpPr>
           <p:cNvPr id="2" name="Title 1"/>
@@ -3354,27 +3378,25 @@
         <p:txBody>
           <a:bodyPr/>
           <a:lstStyle/>
-          <a:p/>
-          <a:p>
-            <a:pPr/>
+          <a:p>
+            <a:endParaRPr/>
+          </a:p>
+          <a:p>
             <a:r>
               <a:t>multiprocessing.c</a:t>
             </a:r>
           </a:p>
           <a:p>
-            <a:pPr/>
             <a:r>
               <a:t>multithreading.c</a:t>
             </a:r>
           </a:p>
           <a:p>
-            <a:pPr/>
             <a:r>
               <a:t>performance.txt</a:t>
             </a:r>
           </a:p>
           <a:p>
-            <a:pPr/>
             <a:r>
               <a:t>reflection.txt</a:t>
             </a:r>
@@ -3390,7 +3412,7 @@
 </file>
 
 <file path=ppt/slides/slide5.xml><?xml version="1.0" encoding="utf-8"?>
-<p:sld xmlns:a="http://schemas.openxmlformats.org/drawingml/2006/main" xmlns:p="http://schemas.openxmlformats.org/presentationml/2006/main" xmlns:r="http://schemas.openxmlformats.org/officeDocument/2006/relationships">
+<p:sld xmlns:a="http://schemas.openxmlformats.org/drawingml/2006/main" xmlns:r="http://schemas.openxmlformats.org/officeDocument/2006/relationships" xmlns:p="http://schemas.openxmlformats.org/presentationml/2006/main">
   <p:cSld>
     <p:spTree>
       <p:nvGrpSpPr>
@@ -3398,7 +3420,14 @@
         <p:cNvGrpSpPr/>
         <p:nvPr/>
       </p:nvGrpSpPr>
-      <p:grpSpPr/>
+      <p:grpSpPr>
+        <a:xfrm>
+          <a:off x="0" y="0"/>
+          <a:ext cx="0" cy="0"/>
+          <a:chOff x="0" y="0"/>
+          <a:chExt cx="0" cy="0"/>
+        </a:xfrm>
+      </p:grpSpPr>
       <p:sp>
         <p:nvSpPr>
           <p:cNvPr id="2" name="Title 1"/>
@@ -3434,27 +3463,25 @@
         <p:txBody>
           <a:bodyPr/>
           <a:lstStyle/>
-          <a:p/>
-          <a:p>
-            <a:pPr/>
+          <a:p>
+            <a:endParaRPr/>
+          </a:p>
+          <a:p>
             <a:r>
               <a:t>Use `#include &lt;pthread.h&gt;` in your code.</a:t>
             </a:r>
           </a:p>
           <a:p>
-            <a:pPr/>
             <a:r>
               <a:t>Compile using: gcc -pthread multithreading.c -o multithreading</a:t>
             </a:r>
           </a:p>
           <a:p>
-            <a:pPr/>
             <a:r>
               <a:t>Alternative: gcc multithreading.c -o multithreading -lpthread</a:t>
             </a:r>
           </a:p>
           <a:p>
-            <a:pPr/>
             <a:r>
               <a:t>Run example: ./multithreading 4</a:t>
             </a:r>
@@ -3470,7 +3497,7 @@
 </file>
 
 <file path=ppt/slides/slide6.xml><?xml version="1.0" encoding="utf-8"?>
-<p:sld xmlns:a="http://schemas.openxmlformats.org/drawingml/2006/main" xmlns:p="http://schemas.openxmlformats.org/presentationml/2006/main" xmlns:r="http://schemas.openxmlformats.org/officeDocument/2006/relationships">
+<p:sld xmlns:a="http://schemas.openxmlformats.org/drawingml/2006/main" xmlns:r="http://schemas.openxmlformats.org/officeDocument/2006/relationships" xmlns:p="http://schemas.openxmlformats.org/presentationml/2006/main">
   <p:cSld>
     <p:spTree>
       <p:nvGrpSpPr>
@@ -3478,7 +3505,14 @@
         <p:cNvGrpSpPr/>
         <p:nvPr/>
       </p:nvGrpSpPr>
-      <p:grpSpPr/>
+      <p:grpSpPr>
+        <a:xfrm>
+          <a:off x="0" y="0"/>
+          <a:ext cx="0" cy="0"/>
+          <a:chOff x="0" y="0"/>
+          <a:chExt cx="0" cy="0"/>
+        </a:xfrm>
+      </p:grpSpPr>
       <p:sp>
         <p:nvSpPr>
           <p:cNvPr id="2" name="Title 1"/>
@@ -3514,23 +3548,41 @@
         <p:txBody>
           <a:bodyPr/>
           <a:lstStyle/>
-          <a:p/>
-          <a:p>
-            <a:pPr/>
-            <a:r>
-              <a:t>`pthread` is not available by default on Windows.</a:t>
-            </a:r>
-          </a:p>
-          <a:p>
-            <a:pPr/>
-            <a:r>
+          <a:p>
+            <a:endParaRPr dirty="0"/>
+          </a:p>
+          <a:p>
+            <a:r>
+              <a:rPr dirty="0"/>
+              <a:t>`</a:t>
+            </a:r>
+            <a:r>
+              <a:rPr dirty="0" err="1"/>
+              <a:t>pthread</a:t>
+            </a:r>
+            <a:r>
+              <a:rPr dirty="0"/>
+              <a:t>` is not available by default on Windows.</a:t>
+            </a:r>
+          </a:p>
+          <a:p>
+            <a:r>
+              <a:rPr dirty="0"/>
               <a:t>Recommended: Use WSL (Windows Subsystem for Linux).</a:t>
             </a:r>
           </a:p>
           <a:p>
-            <a:pPr/>
-            <a:r>
-              <a:t>Or use a Linux VM or university lab machine.</a:t>
+            <a:r>
+              <a:rPr dirty="0"/>
+              <a:t>Or use a Linux VM </a:t>
+            </a:r>
+            <a:r>
+              <a:rPr lang="en-US" dirty="0"/>
+              <a:t>or Hellbender</a:t>
+            </a:r>
+            <a:r>
+              <a:rPr dirty="0"/>
+              <a:t>.</a:t>
             </a:r>
           </a:p>
         </p:txBody>
